--- a/DATA 606 Capstone Project Report_Draft.pptx
+++ b/DATA 606 Capstone Project Report_Draft.pptx
@@ -4246,7 +4246,7 @@
         </p:spPr>
         <p:txBody>
           <a:bodyPr anchor="ctr">
-            <a:normAutofit/>
+            <a:noAutofit/>
           </a:bodyPr>
           <a:lstStyle/>
           <a:p>
@@ -4256,8 +4256,8 @@
               </a:lnSpc>
             </a:pPr>
             <a:r>
-              <a:rPr lang="en-US" sz="3100" b="1" dirty="0"/>
-              <a:t>Effectiveness of the policy responses to COVID-19</a:t>
+              <a:rPr lang="en-US" sz="4000" b="1" dirty="0"/>
+              <a:t>Analysis of the effectiveness of the COVID-19 policy responses</a:t>
             </a:r>
           </a:p>
         </p:txBody>
